--- a/graduation_thesis/figures/c1/autopilot.pptx
+++ b/graduation_thesis/figures/c1/autopilot.pptx
@@ -5,10 +5,11 @@
     <p:sldMasterId id="2147483648" r:id="rId1"/>
   </p:sldMasterIdLst>
   <p:notesMasterIdLst>
-    <p:notesMasterId r:id="rId4"/>
+    <p:notesMasterId r:id="rId5"/>
   </p:notesMasterIdLst>
   <p:sldIdLst>
     <p:sldId id="268" r:id="rId3"/>
+    <p:sldId id="269" r:id="rId4"/>
   </p:sldIdLst>
   <p:sldSz cx="12192000" cy="6858000"/>
   <p:notesSz cx="6858000" cy="9144000"/>
@@ -6287,6 +6288,2093 @@
           </a:fontRef>
         </p:style>
       </p:cxnSp>
+      <p:sp>
+        <p:nvSpPr>
+          <p:cNvPr id="2" name="矩形 1"/>
+          <p:cNvSpPr/>
+          <p:nvPr/>
+        </p:nvSpPr>
+        <p:spPr>
+          <a:xfrm>
+            <a:off x="2875280" y="2394355"/>
+            <a:ext cx="720496" cy="561968"/>
+          </a:xfrm>
+          <a:prstGeom prst="rect">
+            <a:avLst/>
+          </a:prstGeom>
+          <a:solidFill>
+            <a:schemeClr val="bg1"/>
+          </a:solidFill>
+        </p:spPr>
+        <p:style>
+          <a:lnRef idx="2">
+            <a:schemeClr val="accent1">
+              <a:shade val="50000"/>
+            </a:schemeClr>
+          </a:lnRef>
+          <a:fillRef idx="1">
+            <a:schemeClr val="accent1"/>
+          </a:fillRef>
+          <a:effectRef idx="0">
+            <a:schemeClr val="accent1"/>
+          </a:effectRef>
+          <a:fontRef idx="minor">
+            <a:schemeClr val="lt1"/>
+          </a:fontRef>
+        </p:style>
+        <p:txBody>
+          <a:bodyPr rtlCol="0" anchor="ctr"/>
+          <a:p>
+            <a:pPr algn="ctr"/>
+            <a:r>
+              <a:rPr lang="zh-CN" altLang="en-US" sz="1050" b="1" dirty="0">
+                <a:solidFill>
+                  <a:schemeClr val="tx1"/>
+                </a:solidFill>
+                <a:latin typeface="Times New Roman" panose="02020603050405020304" pitchFamily="18" charset="0"/>
+                <a:ea typeface="宋体" panose="02010600030101010101" pitchFamily="2" charset="-122"/>
+                <a:cs typeface="Times New Roman" panose="02020603050405020304" pitchFamily="18" charset="0"/>
+              </a:rPr>
+              <a:t>比例环节</a:t>
+            </a:r>
+            <a:endParaRPr lang="zh-CN" altLang="en-US" sz="1050" b="1" dirty="0">
+              <a:solidFill>
+                <a:schemeClr val="tx1"/>
+              </a:solidFill>
+              <a:latin typeface="Times New Roman" panose="02020603050405020304" pitchFamily="18" charset="0"/>
+              <a:ea typeface="宋体" panose="02010600030101010101" pitchFamily="2" charset="-122"/>
+              <a:cs typeface="Times New Roman" panose="02020603050405020304" pitchFamily="18" charset="0"/>
+            </a:endParaRPr>
+          </a:p>
+        </p:txBody>
+      </p:sp>
+      <p:sp>
+        <p:nvSpPr>
+          <p:cNvPr id="3" name="流程图: 接点 100"/>
+          <p:cNvSpPr/>
+          <p:nvPr/>
+        </p:nvSpPr>
+        <p:spPr>
+          <a:xfrm>
+            <a:off x="2409742" y="2734852"/>
+            <a:ext cx="280416" cy="280416"/>
+          </a:xfrm>
+          <a:prstGeom prst="flowChartConnector">
+            <a:avLst/>
+          </a:prstGeom>
+          <a:noFill/>
+          <a:ln>
+            <a:solidFill>
+              <a:schemeClr val="tx1"/>
+            </a:solidFill>
+          </a:ln>
+        </p:spPr>
+        <p:style>
+          <a:lnRef idx="2">
+            <a:schemeClr val="accent1">
+              <a:shade val="50000"/>
+            </a:schemeClr>
+          </a:lnRef>
+          <a:fillRef idx="1">
+            <a:schemeClr val="accent1"/>
+          </a:fillRef>
+          <a:effectRef idx="0">
+            <a:schemeClr val="accent1"/>
+          </a:effectRef>
+          <a:fontRef idx="minor">
+            <a:schemeClr val="lt1"/>
+          </a:fontRef>
+        </p:style>
+        <p:txBody>
+          <a:bodyPr rtlCol="0" anchor="ctr"/>
+          <a:p>
+            <a:pPr algn="ctr"/>
+            <a:endParaRPr lang="zh-CN" altLang="en-US">
+              <a:latin typeface="Times New Roman" panose="02020603050405020304" pitchFamily="18" charset="0"/>
+              <a:cs typeface="Times New Roman" panose="02020603050405020304" pitchFamily="18" charset="0"/>
+            </a:endParaRPr>
+          </a:p>
+        </p:txBody>
+      </p:sp>
+      <p:cxnSp>
+        <p:nvCxnSpPr>
+          <p:cNvPr id="5" name="直接连接符 4"/>
+          <p:cNvCxnSpPr>
+            <a:stCxn id="3" idx="7"/>
+            <a:endCxn id="3" idx="3"/>
+          </p:cNvCxnSpPr>
+          <p:nvPr/>
+        </p:nvCxnSpPr>
+        <p:spPr>
+          <a:xfrm flipH="1">
+            <a:off x="2450972" y="2775918"/>
+            <a:ext cx="198120" cy="198120"/>
+          </a:xfrm>
+          <a:prstGeom prst="line">
+            <a:avLst/>
+          </a:prstGeom>
+          <a:ln>
+            <a:solidFill>
+              <a:schemeClr val="tx1"/>
+            </a:solidFill>
+          </a:ln>
+        </p:spPr>
+        <p:style>
+          <a:lnRef idx="1">
+            <a:schemeClr val="accent1"/>
+          </a:lnRef>
+          <a:fillRef idx="0">
+            <a:schemeClr val="accent1"/>
+          </a:fillRef>
+          <a:effectRef idx="0">
+            <a:schemeClr val="accent1"/>
+          </a:effectRef>
+          <a:fontRef idx="minor">
+            <a:schemeClr val="tx1"/>
+          </a:fontRef>
+        </p:style>
+      </p:cxnSp>
+      <p:cxnSp>
+        <p:nvCxnSpPr>
+          <p:cNvPr id="7" name="直接箭头连接符 6"/>
+          <p:cNvCxnSpPr>
+            <a:endCxn id="3" idx="0"/>
+          </p:cNvCxnSpPr>
+          <p:nvPr/>
+        </p:nvCxnSpPr>
+        <p:spPr>
+          <a:xfrm>
+            <a:off x="2549950" y="1990027"/>
+            <a:ext cx="0" cy="744825"/>
+          </a:xfrm>
+          <a:prstGeom prst="straightConnector1">
+            <a:avLst/>
+          </a:prstGeom>
+          <a:ln>
+            <a:tailEnd type="triangle"/>
+          </a:ln>
+        </p:spPr>
+        <p:style>
+          <a:lnRef idx="3">
+            <a:schemeClr val="dk1"/>
+          </a:lnRef>
+          <a:fillRef idx="0">
+            <a:schemeClr val="dk1"/>
+          </a:fillRef>
+          <a:effectRef idx="2">
+            <a:schemeClr val="dk1"/>
+          </a:effectRef>
+          <a:fontRef idx="minor">
+            <a:schemeClr val="tx1"/>
+          </a:fontRef>
+        </p:style>
+      </p:cxnSp>
+    </p:spTree>
+  </p:cSld>
+  <p:clrMapOvr>
+    <a:masterClrMapping/>
+  </p:clrMapOvr>
+</p:sld>
+</file>
+
+<file path=ppt/slides/slide2.xml><?xml version="1.0" encoding="utf-8"?>
+<p:sld xmlns:a="http://schemas.openxmlformats.org/drawingml/2006/main" xmlns:r="http://schemas.openxmlformats.org/officeDocument/2006/relationships" xmlns:p="http://schemas.openxmlformats.org/presentationml/2006/main">
+  <p:cSld>
+    <p:spTree>
+      <p:nvGrpSpPr>
+        <p:cNvPr id="1" name=""/>
+        <p:cNvGrpSpPr/>
+        <p:nvPr/>
+      </p:nvGrpSpPr>
+      <p:grpSpPr/>
+      <p:cxnSp>
+        <p:nvCxnSpPr>
+          <p:cNvPr id="97" name="连接符: 肘形 96"/>
+          <p:cNvCxnSpPr>
+            <a:stCxn id="12" idx="3"/>
+            <a:endCxn id="13" idx="3"/>
+          </p:cNvCxnSpPr>
+          <p:nvPr/>
+        </p:nvCxnSpPr>
+        <p:spPr>
+          <a:xfrm flipH="1">
+            <a:off x="5462905" y="2734945"/>
+            <a:ext cx="2838450" cy="971550"/>
+          </a:xfrm>
+          <a:prstGeom prst="bentConnector3">
+            <a:avLst>
+              <a:gd name="adj1" fmla="val -8389"/>
+            </a:avLst>
+          </a:prstGeom>
+          <a:ln>
+            <a:tailEnd type="triangle"/>
+          </a:ln>
+        </p:spPr>
+        <p:style>
+          <a:lnRef idx="3">
+            <a:schemeClr val="dk1"/>
+          </a:lnRef>
+          <a:fillRef idx="0">
+            <a:schemeClr val="dk1"/>
+          </a:fillRef>
+          <a:effectRef idx="2">
+            <a:schemeClr val="dk1"/>
+          </a:effectRef>
+          <a:fontRef idx="minor">
+            <a:schemeClr val="tx1"/>
+          </a:fontRef>
+        </p:style>
+      </p:cxnSp>
+      <p:sp>
+        <p:nvSpPr>
+          <p:cNvPr id="4" name="矩形 3"/>
+          <p:cNvSpPr/>
+          <p:nvPr/>
+        </p:nvSpPr>
+        <p:spPr>
+          <a:xfrm>
+            <a:off x="1888490" y="2513330"/>
+            <a:ext cx="720725" cy="443230"/>
+          </a:xfrm>
+          <a:prstGeom prst="rect">
+            <a:avLst/>
+          </a:prstGeom>
+          <a:solidFill>
+            <a:schemeClr val="bg1"/>
+          </a:solidFill>
+        </p:spPr>
+        <p:style>
+          <a:lnRef idx="2">
+            <a:schemeClr val="accent1">
+              <a:shade val="50000"/>
+            </a:schemeClr>
+          </a:lnRef>
+          <a:fillRef idx="1">
+            <a:schemeClr val="accent1"/>
+          </a:fillRef>
+          <a:effectRef idx="0">
+            <a:schemeClr val="accent1"/>
+          </a:effectRef>
+          <a:fontRef idx="minor">
+            <a:schemeClr val="lt1"/>
+          </a:fontRef>
+        </p:style>
+        <p:txBody>
+          <a:bodyPr rtlCol="0" anchor="ctr"/>
+          <a:p>
+            <a:pPr algn="ctr"/>
+            <a:r>
+              <a:rPr lang="zh-CN" altLang="en-US" sz="1050" b="1" dirty="0">
+                <a:solidFill>
+                  <a:schemeClr val="tx1"/>
+                </a:solidFill>
+                <a:latin typeface="Times New Roman" panose="02020603050405020304" pitchFamily="18" charset="0"/>
+                <a:ea typeface="宋体" panose="02010600030101010101" pitchFamily="2" charset="-122"/>
+                <a:cs typeface="Times New Roman" panose="02020603050405020304" pitchFamily="18" charset="0"/>
+              </a:rPr>
+              <a:t>导航模块</a:t>
+            </a:r>
+            <a:endParaRPr lang="zh-CN" altLang="en-US" sz="1050" b="1" dirty="0">
+              <a:solidFill>
+                <a:schemeClr val="tx1"/>
+              </a:solidFill>
+              <a:latin typeface="Times New Roman" panose="02020603050405020304" pitchFamily="18" charset="0"/>
+              <a:ea typeface="宋体" panose="02010600030101010101" pitchFamily="2" charset="-122"/>
+              <a:cs typeface="Times New Roman" panose="02020603050405020304" pitchFamily="18" charset="0"/>
+            </a:endParaRPr>
+          </a:p>
+        </p:txBody>
+      </p:sp>
+      <p:sp>
+        <p:nvSpPr>
+          <p:cNvPr id="8" name="矩形 7"/>
+          <p:cNvSpPr/>
+          <p:nvPr/>
+        </p:nvSpPr>
+        <p:spPr>
+          <a:xfrm>
+            <a:off x="3308350" y="2513330"/>
+            <a:ext cx="720725" cy="443230"/>
+          </a:xfrm>
+          <a:prstGeom prst="rect">
+            <a:avLst/>
+          </a:prstGeom>
+          <a:solidFill>
+            <a:schemeClr val="bg1"/>
+          </a:solidFill>
+        </p:spPr>
+        <p:style>
+          <a:lnRef idx="2">
+            <a:schemeClr val="accent1">
+              <a:shade val="50000"/>
+            </a:schemeClr>
+          </a:lnRef>
+          <a:fillRef idx="1">
+            <a:schemeClr val="accent1"/>
+          </a:fillRef>
+          <a:effectRef idx="0">
+            <a:schemeClr val="accent1"/>
+          </a:effectRef>
+          <a:fontRef idx="minor">
+            <a:schemeClr val="lt1"/>
+          </a:fontRef>
+        </p:style>
+        <p:txBody>
+          <a:bodyPr rtlCol="0" anchor="ctr"/>
+          <a:p>
+            <a:pPr algn="ctr"/>
+            <a:r>
+              <a:rPr lang="zh-CN" altLang="en-US" sz="1050" b="1" dirty="0">
+                <a:solidFill>
+                  <a:schemeClr val="tx1"/>
+                </a:solidFill>
+                <a:latin typeface="Times New Roman" panose="02020603050405020304" pitchFamily="18" charset="0"/>
+                <a:ea typeface="宋体" panose="02010600030101010101" pitchFamily="2" charset="-122"/>
+                <a:cs typeface="Times New Roman" panose="02020603050405020304" pitchFamily="18" charset="0"/>
+              </a:rPr>
+              <a:t>位置控制模块</a:t>
+            </a:r>
+            <a:endParaRPr lang="zh-CN" altLang="en-US" sz="1050" b="1" dirty="0">
+              <a:solidFill>
+                <a:schemeClr val="tx1"/>
+              </a:solidFill>
+              <a:latin typeface="Times New Roman" panose="02020603050405020304" pitchFamily="18" charset="0"/>
+              <a:ea typeface="宋体" panose="02010600030101010101" pitchFamily="2" charset="-122"/>
+              <a:cs typeface="Times New Roman" panose="02020603050405020304" pitchFamily="18" charset="0"/>
+            </a:endParaRPr>
+          </a:p>
+        </p:txBody>
+      </p:sp>
+      <p:sp>
+        <p:nvSpPr>
+          <p:cNvPr id="9" name="矩形 8"/>
+          <p:cNvSpPr/>
+          <p:nvPr/>
+        </p:nvSpPr>
+        <p:spPr>
+          <a:xfrm>
+            <a:off x="4742180" y="2513330"/>
+            <a:ext cx="720725" cy="443230"/>
+          </a:xfrm>
+          <a:prstGeom prst="rect">
+            <a:avLst/>
+          </a:prstGeom>
+          <a:solidFill>
+            <a:schemeClr val="bg1"/>
+          </a:solidFill>
+        </p:spPr>
+        <p:style>
+          <a:lnRef idx="2">
+            <a:schemeClr val="accent1">
+              <a:shade val="50000"/>
+            </a:schemeClr>
+          </a:lnRef>
+          <a:fillRef idx="1">
+            <a:schemeClr val="accent1"/>
+          </a:fillRef>
+          <a:effectRef idx="0">
+            <a:schemeClr val="accent1"/>
+          </a:effectRef>
+          <a:fontRef idx="minor">
+            <a:schemeClr val="lt1"/>
+          </a:fontRef>
+        </p:style>
+        <p:txBody>
+          <a:bodyPr rtlCol="0" anchor="ctr"/>
+          <a:p>
+            <a:pPr algn="ctr"/>
+            <a:r>
+              <a:rPr lang="zh-CN" altLang="en-US" sz="1050" b="1" dirty="0">
+                <a:solidFill>
+                  <a:schemeClr val="tx1"/>
+                </a:solidFill>
+                <a:latin typeface="Times New Roman" panose="02020603050405020304" pitchFamily="18" charset="0"/>
+                <a:ea typeface="宋体" panose="02010600030101010101" pitchFamily="2" charset="-122"/>
+                <a:cs typeface="Times New Roman" panose="02020603050405020304" pitchFamily="18" charset="0"/>
+              </a:rPr>
+              <a:t>姿态控制模块</a:t>
+            </a:r>
+            <a:endParaRPr lang="zh-CN" altLang="en-US" sz="1050" b="1" dirty="0">
+              <a:solidFill>
+                <a:schemeClr val="tx1"/>
+              </a:solidFill>
+              <a:latin typeface="Times New Roman" panose="02020603050405020304" pitchFamily="18" charset="0"/>
+              <a:ea typeface="宋体" panose="02010600030101010101" pitchFamily="2" charset="-122"/>
+              <a:cs typeface="Times New Roman" panose="02020603050405020304" pitchFamily="18" charset="0"/>
+            </a:endParaRPr>
+          </a:p>
+        </p:txBody>
+      </p:sp>
+      <p:sp>
+        <p:nvSpPr>
+          <p:cNvPr id="10" name="矩形 9"/>
+          <p:cNvSpPr/>
+          <p:nvPr/>
+        </p:nvSpPr>
+        <p:spPr>
+          <a:xfrm>
+            <a:off x="5709920" y="2513330"/>
+            <a:ext cx="720725" cy="443230"/>
+          </a:xfrm>
+          <a:prstGeom prst="rect">
+            <a:avLst/>
+          </a:prstGeom>
+          <a:solidFill>
+            <a:schemeClr val="bg1"/>
+          </a:solidFill>
+        </p:spPr>
+        <p:style>
+          <a:lnRef idx="2">
+            <a:schemeClr val="accent1">
+              <a:shade val="50000"/>
+            </a:schemeClr>
+          </a:lnRef>
+          <a:fillRef idx="1">
+            <a:schemeClr val="accent1"/>
+          </a:fillRef>
+          <a:effectRef idx="0">
+            <a:schemeClr val="accent1"/>
+          </a:effectRef>
+          <a:fontRef idx="minor">
+            <a:schemeClr val="lt1"/>
+          </a:fontRef>
+        </p:style>
+        <p:txBody>
+          <a:bodyPr rtlCol="0" anchor="ctr"/>
+          <a:p>
+            <a:pPr algn="ctr"/>
+            <a:r>
+              <a:rPr lang="zh-CN" altLang="en-US" sz="1050" b="1" dirty="0">
+                <a:solidFill>
+                  <a:schemeClr val="tx1"/>
+                </a:solidFill>
+                <a:latin typeface="Times New Roman" panose="02020603050405020304" pitchFamily="18" charset="0"/>
+                <a:ea typeface="宋体" panose="02010600030101010101" pitchFamily="2" charset="-122"/>
+                <a:cs typeface="Times New Roman" panose="02020603050405020304" pitchFamily="18" charset="0"/>
+              </a:rPr>
+              <a:t>舵回路</a:t>
+            </a:r>
+            <a:endParaRPr lang="zh-CN" altLang="en-US" sz="1050" b="1" dirty="0">
+              <a:solidFill>
+                <a:schemeClr val="tx1"/>
+              </a:solidFill>
+              <a:latin typeface="Times New Roman" panose="02020603050405020304" pitchFamily="18" charset="0"/>
+              <a:ea typeface="宋体" panose="02010600030101010101" pitchFamily="2" charset="-122"/>
+              <a:cs typeface="Times New Roman" panose="02020603050405020304" pitchFamily="18" charset="0"/>
+            </a:endParaRPr>
+          </a:p>
+        </p:txBody>
+      </p:sp>
+      <p:sp>
+        <p:nvSpPr>
+          <p:cNvPr id="11" name="矩形 10"/>
+          <p:cNvSpPr/>
+          <p:nvPr/>
+        </p:nvSpPr>
+        <p:spPr>
+          <a:xfrm>
+            <a:off x="6640830" y="2513330"/>
+            <a:ext cx="720725" cy="443230"/>
+          </a:xfrm>
+          <a:prstGeom prst="rect">
+            <a:avLst/>
+          </a:prstGeom>
+          <a:solidFill>
+            <a:schemeClr val="bg1"/>
+          </a:solidFill>
+        </p:spPr>
+        <p:style>
+          <a:lnRef idx="2">
+            <a:schemeClr val="accent1">
+              <a:shade val="50000"/>
+            </a:schemeClr>
+          </a:lnRef>
+          <a:fillRef idx="1">
+            <a:schemeClr val="accent1"/>
+          </a:fillRef>
+          <a:effectRef idx="0">
+            <a:schemeClr val="accent1"/>
+          </a:effectRef>
+          <a:fontRef idx="minor">
+            <a:schemeClr val="lt1"/>
+          </a:fontRef>
+        </p:style>
+        <p:txBody>
+          <a:bodyPr rtlCol="0" anchor="ctr"/>
+          <a:p>
+            <a:pPr algn="ctr"/>
+            <a:r>
+              <a:rPr lang="zh-CN" altLang="en-US" sz="1050" b="1" dirty="0">
+                <a:solidFill>
+                  <a:schemeClr val="tx1"/>
+                </a:solidFill>
+                <a:latin typeface="Times New Roman" panose="02020603050405020304" pitchFamily="18" charset="0"/>
+                <a:ea typeface="宋体" panose="02010600030101010101" pitchFamily="2" charset="-122"/>
+                <a:cs typeface="Times New Roman" panose="02020603050405020304" pitchFamily="18" charset="0"/>
+              </a:rPr>
+              <a:t>无人机空气动力学</a:t>
+            </a:r>
+            <a:endParaRPr lang="zh-CN" altLang="en-US" sz="1050" b="1" dirty="0">
+              <a:solidFill>
+                <a:schemeClr val="tx1"/>
+              </a:solidFill>
+              <a:latin typeface="Times New Roman" panose="02020603050405020304" pitchFamily="18" charset="0"/>
+              <a:ea typeface="宋体" panose="02010600030101010101" pitchFamily="2" charset="-122"/>
+              <a:cs typeface="Times New Roman" panose="02020603050405020304" pitchFamily="18" charset="0"/>
+            </a:endParaRPr>
+          </a:p>
+        </p:txBody>
+      </p:sp>
+      <p:sp>
+        <p:nvSpPr>
+          <p:cNvPr id="12" name="矩形 11"/>
+          <p:cNvSpPr/>
+          <p:nvPr/>
+        </p:nvSpPr>
+        <p:spPr>
+          <a:xfrm>
+            <a:off x="7580630" y="2513330"/>
+            <a:ext cx="720725" cy="443230"/>
+          </a:xfrm>
+          <a:prstGeom prst="rect">
+            <a:avLst/>
+          </a:prstGeom>
+          <a:solidFill>
+            <a:schemeClr val="bg1"/>
+          </a:solidFill>
+        </p:spPr>
+        <p:style>
+          <a:lnRef idx="2">
+            <a:schemeClr val="accent1">
+              <a:shade val="50000"/>
+            </a:schemeClr>
+          </a:lnRef>
+          <a:fillRef idx="1">
+            <a:schemeClr val="accent1"/>
+          </a:fillRef>
+          <a:effectRef idx="0">
+            <a:schemeClr val="accent1"/>
+          </a:effectRef>
+          <a:fontRef idx="minor">
+            <a:schemeClr val="lt1"/>
+          </a:fontRef>
+        </p:style>
+        <p:txBody>
+          <a:bodyPr rtlCol="0" anchor="ctr"/>
+          <a:p>
+            <a:pPr algn="ctr"/>
+            <a:r>
+              <a:rPr lang="zh-CN" altLang="en-US" sz="1050" b="1" dirty="0">
+                <a:solidFill>
+                  <a:schemeClr val="tx1"/>
+                </a:solidFill>
+                <a:latin typeface="Times New Roman" panose="02020603050405020304" pitchFamily="18" charset="0"/>
+                <a:ea typeface="宋体" panose="02010600030101010101" pitchFamily="2" charset="-122"/>
+                <a:cs typeface="Times New Roman" panose="02020603050405020304" pitchFamily="18" charset="0"/>
+              </a:rPr>
+              <a:t>无人机刚体动力学</a:t>
+            </a:r>
+            <a:endParaRPr lang="zh-CN" altLang="en-US" sz="1050" b="1" dirty="0">
+              <a:solidFill>
+                <a:schemeClr val="tx1"/>
+              </a:solidFill>
+              <a:latin typeface="Times New Roman" panose="02020603050405020304" pitchFamily="18" charset="0"/>
+              <a:ea typeface="宋体" panose="02010600030101010101" pitchFamily="2" charset="-122"/>
+              <a:cs typeface="Times New Roman" panose="02020603050405020304" pitchFamily="18" charset="0"/>
+            </a:endParaRPr>
+          </a:p>
+        </p:txBody>
+      </p:sp>
+      <p:sp>
+        <p:nvSpPr>
+          <p:cNvPr id="13" name="矩形 12"/>
+          <p:cNvSpPr/>
+          <p:nvPr/>
+        </p:nvSpPr>
+        <p:spPr>
+          <a:xfrm>
+            <a:off x="4742180" y="3484880"/>
+            <a:ext cx="720725" cy="443230"/>
+          </a:xfrm>
+          <a:prstGeom prst="rect">
+            <a:avLst/>
+          </a:prstGeom>
+          <a:solidFill>
+            <a:schemeClr val="bg1"/>
+          </a:solidFill>
+        </p:spPr>
+        <p:style>
+          <a:lnRef idx="2">
+            <a:schemeClr val="accent1">
+              <a:shade val="50000"/>
+            </a:schemeClr>
+          </a:lnRef>
+          <a:fillRef idx="1">
+            <a:schemeClr val="accent1"/>
+          </a:fillRef>
+          <a:effectRef idx="0">
+            <a:schemeClr val="accent1"/>
+          </a:effectRef>
+          <a:fontRef idx="minor">
+            <a:schemeClr val="lt1"/>
+          </a:fontRef>
+        </p:style>
+        <p:txBody>
+          <a:bodyPr rtlCol="0" anchor="ctr"/>
+          <a:p>
+            <a:pPr algn="ctr"/>
+            <a:r>
+              <a:rPr lang="zh-CN" altLang="en-US" sz="1050" b="1" dirty="0">
+                <a:solidFill>
+                  <a:schemeClr val="tx1"/>
+                </a:solidFill>
+                <a:latin typeface="Times New Roman" panose="02020603050405020304" pitchFamily="18" charset="0"/>
+                <a:ea typeface="宋体" panose="02010600030101010101" pitchFamily="2" charset="-122"/>
+                <a:cs typeface="Times New Roman" panose="02020603050405020304" pitchFamily="18" charset="0"/>
+              </a:rPr>
+              <a:t>量测估计模块</a:t>
+            </a:r>
+            <a:endParaRPr lang="zh-CN" altLang="en-US" sz="1050" b="1" dirty="0">
+              <a:solidFill>
+                <a:schemeClr val="tx1"/>
+              </a:solidFill>
+              <a:latin typeface="Times New Roman" panose="02020603050405020304" pitchFamily="18" charset="0"/>
+              <a:ea typeface="宋体" panose="02010600030101010101" pitchFamily="2" charset="-122"/>
+              <a:cs typeface="Times New Roman" panose="02020603050405020304" pitchFamily="18" charset="0"/>
+            </a:endParaRPr>
+          </a:p>
+        </p:txBody>
+      </p:sp>
+      <p:cxnSp>
+        <p:nvCxnSpPr>
+          <p:cNvPr id="14" name="直接箭头连接符 13"/>
+          <p:cNvCxnSpPr>
+            <a:stCxn id="4" idx="3"/>
+            <a:endCxn id="29" idx="2"/>
+          </p:cNvCxnSpPr>
+          <p:nvPr/>
+        </p:nvCxnSpPr>
+        <p:spPr>
+          <a:xfrm>
+            <a:off x="2609215" y="2734945"/>
+            <a:ext cx="209550" cy="0"/>
+          </a:xfrm>
+          <a:prstGeom prst="straightConnector1">
+            <a:avLst/>
+          </a:prstGeom>
+          <a:ln>
+            <a:tailEnd type="triangle"/>
+          </a:ln>
+        </p:spPr>
+        <p:style>
+          <a:lnRef idx="3">
+            <a:schemeClr val="dk1"/>
+          </a:lnRef>
+          <a:fillRef idx="0">
+            <a:schemeClr val="dk1"/>
+          </a:fillRef>
+          <a:effectRef idx="2">
+            <a:schemeClr val="dk1"/>
+          </a:effectRef>
+          <a:fontRef idx="minor">
+            <a:schemeClr val="tx1"/>
+          </a:fontRef>
+        </p:style>
+      </p:cxnSp>
+      <p:cxnSp>
+        <p:nvCxnSpPr>
+          <p:cNvPr id="15" name="直接箭头连接符 14"/>
+          <p:cNvCxnSpPr>
+            <a:stCxn id="8" idx="3"/>
+            <a:endCxn id="33" idx="2"/>
+          </p:cNvCxnSpPr>
+          <p:nvPr/>
+        </p:nvCxnSpPr>
+        <p:spPr>
+          <a:xfrm flipV="1">
+            <a:off x="4029075" y="2733040"/>
+            <a:ext cx="203200" cy="1905"/>
+          </a:xfrm>
+          <a:prstGeom prst="straightConnector1">
+            <a:avLst/>
+          </a:prstGeom>
+          <a:ln>
+            <a:tailEnd type="triangle"/>
+          </a:ln>
+        </p:spPr>
+        <p:style>
+          <a:lnRef idx="3">
+            <a:schemeClr val="dk1"/>
+          </a:lnRef>
+          <a:fillRef idx="0">
+            <a:schemeClr val="dk1"/>
+          </a:fillRef>
+          <a:effectRef idx="2">
+            <a:schemeClr val="dk1"/>
+          </a:effectRef>
+          <a:fontRef idx="minor">
+            <a:schemeClr val="tx1"/>
+          </a:fontRef>
+        </p:style>
+      </p:cxnSp>
+      <p:cxnSp>
+        <p:nvCxnSpPr>
+          <p:cNvPr id="16" name="直接箭头连接符 15"/>
+          <p:cNvCxnSpPr>
+            <a:stCxn id="9" idx="3"/>
+            <a:endCxn id="10" idx="1"/>
+          </p:cNvCxnSpPr>
+          <p:nvPr/>
+        </p:nvCxnSpPr>
+        <p:spPr>
+          <a:xfrm>
+            <a:off x="5462905" y="2734945"/>
+            <a:ext cx="247015" cy="0"/>
+          </a:xfrm>
+          <a:prstGeom prst="straightConnector1">
+            <a:avLst/>
+          </a:prstGeom>
+          <a:ln>
+            <a:tailEnd type="triangle"/>
+          </a:ln>
+        </p:spPr>
+        <p:style>
+          <a:lnRef idx="3">
+            <a:schemeClr val="dk1"/>
+          </a:lnRef>
+          <a:fillRef idx="0">
+            <a:schemeClr val="dk1"/>
+          </a:fillRef>
+          <a:effectRef idx="2">
+            <a:schemeClr val="dk1"/>
+          </a:effectRef>
+          <a:fontRef idx="minor">
+            <a:schemeClr val="tx1"/>
+          </a:fontRef>
+        </p:style>
+      </p:cxnSp>
+      <p:cxnSp>
+        <p:nvCxnSpPr>
+          <p:cNvPr id="17" name="直接箭头连接符 16"/>
+          <p:cNvCxnSpPr>
+            <a:stCxn id="10" idx="3"/>
+            <a:endCxn id="11" idx="1"/>
+          </p:cNvCxnSpPr>
+          <p:nvPr/>
+        </p:nvCxnSpPr>
+        <p:spPr>
+          <a:xfrm>
+            <a:off x="6430645" y="2734945"/>
+            <a:ext cx="210185" cy="0"/>
+          </a:xfrm>
+          <a:prstGeom prst="straightConnector1">
+            <a:avLst/>
+          </a:prstGeom>
+          <a:ln>
+            <a:tailEnd type="triangle"/>
+          </a:ln>
+        </p:spPr>
+        <p:style>
+          <a:lnRef idx="3">
+            <a:schemeClr val="dk1"/>
+          </a:lnRef>
+          <a:fillRef idx="0">
+            <a:schemeClr val="dk1"/>
+          </a:fillRef>
+          <a:effectRef idx="2">
+            <a:schemeClr val="dk1"/>
+          </a:effectRef>
+          <a:fontRef idx="minor">
+            <a:schemeClr val="tx1"/>
+          </a:fontRef>
+        </p:style>
+      </p:cxnSp>
+      <p:cxnSp>
+        <p:nvCxnSpPr>
+          <p:cNvPr id="18" name="直接箭头连接符 17"/>
+          <p:cNvCxnSpPr>
+            <a:stCxn id="11" idx="3"/>
+            <a:endCxn id="12" idx="1"/>
+          </p:cNvCxnSpPr>
+          <p:nvPr/>
+        </p:nvCxnSpPr>
+        <p:spPr>
+          <a:xfrm>
+            <a:off x="7361555" y="2734945"/>
+            <a:ext cx="219075" cy="0"/>
+          </a:xfrm>
+          <a:prstGeom prst="straightConnector1">
+            <a:avLst/>
+          </a:prstGeom>
+          <a:ln>
+            <a:tailEnd type="triangle"/>
+          </a:ln>
+        </p:spPr>
+        <p:style>
+          <a:lnRef idx="3">
+            <a:schemeClr val="dk1"/>
+          </a:lnRef>
+          <a:fillRef idx="0">
+            <a:schemeClr val="dk1"/>
+          </a:fillRef>
+          <a:effectRef idx="2">
+            <a:schemeClr val="dk1"/>
+          </a:effectRef>
+          <a:fontRef idx="minor">
+            <a:schemeClr val="tx1"/>
+          </a:fontRef>
+        </p:style>
+      </p:cxnSp>
+      <p:cxnSp>
+        <p:nvCxnSpPr>
+          <p:cNvPr id="19" name="连接符: 肘形 96"/>
+          <p:cNvCxnSpPr>
+            <a:stCxn id="13" idx="1"/>
+            <a:endCxn id="29" idx="4"/>
+          </p:cNvCxnSpPr>
+          <p:nvPr/>
+        </p:nvCxnSpPr>
+        <p:spPr>
+          <a:xfrm rot="10800000">
+            <a:off x="2959100" y="2875280"/>
+            <a:ext cx="1783080" cy="831215"/>
+          </a:xfrm>
+          <a:prstGeom prst="bentConnector2">
+            <a:avLst/>
+          </a:prstGeom>
+          <a:ln>
+            <a:tailEnd type="triangle"/>
+          </a:ln>
+        </p:spPr>
+        <p:style>
+          <a:lnRef idx="3">
+            <a:schemeClr val="dk1"/>
+          </a:lnRef>
+          <a:fillRef idx="0">
+            <a:schemeClr val="dk1"/>
+          </a:fillRef>
+          <a:effectRef idx="2">
+            <a:schemeClr val="dk1"/>
+          </a:effectRef>
+          <a:fontRef idx="minor">
+            <a:schemeClr val="tx1"/>
+          </a:fontRef>
+        </p:style>
+      </p:cxnSp>
+      <p:cxnSp>
+        <p:nvCxnSpPr>
+          <p:cNvPr id="20" name="连接符: 肘形 96"/>
+          <p:cNvCxnSpPr>
+            <a:stCxn id="13" idx="1"/>
+            <a:endCxn id="25" idx="4"/>
+          </p:cNvCxnSpPr>
+          <p:nvPr/>
+        </p:nvCxnSpPr>
+        <p:spPr>
+          <a:xfrm rot="10800000">
+            <a:off x="1538605" y="2874645"/>
+            <a:ext cx="3203575" cy="831850"/>
+          </a:xfrm>
+          <a:prstGeom prst="bentConnector2">
+            <a:avLst/>
+          </a:prstGeom>
+          <a:ln>
+            <a:tailEnd type="triangle"/>
+          </a:ln>
+        </p:spPr>
+        <p:style>
+          <a:lnRef idx="3">
+            <a:schemeClr val="dk1"/>
+          </a:lnRef>
+          <a:fillRef idx="0">
+            <a:schemeClr val="dk1"/>
+          </a:fillRef>
+          <a:effectRef idx="2">
+            <a:schemeClr val="dk1"/>
+          </a:effectRef>
+          <a:fontRef idx="minor">
+            <a:schemeClr val="tx1"/>
+          </a:fontRef>
+        </p:style>
+      </p:cxnSp>
+      <p:cxnSp>
+        <p:nvCxnSpPr>
+          <p:cNvPr id="22" name="直接箭头连接符 21"/>
+          <p:cNvCxnSpPr/>
+          <p:nvPr/>
+        </p:nvCxnSpPr>
+        <p:spPr>
+          <a:xfrm flipV="1">
+            <a:off x="764540" y="2733040"/>
+            <a:ext cx="633730" cy="1905"/>
+          </a:xfrm>
+          <a:prstGeom prst="straightConnector1">
+            <a:avLst/>
+          </a:prstGeom>
+          <a:ln>
+            <a:tailEnd type="triangle"/>
+          </a:ln>
+        </p:spPr>
+        <p:style>
+          <a:lnRef idx="3">
+            <a:schemeClr val="dk1"/>
+          </a:lnRef>
+          <a:fillRef idx="0">
+            <a:schemeClr val="dk1"/>
+          </a:fillRef>
+          <a:effectRef idx="2">
+            <a:schemeClr val="dk1"/>
+          </a:effectRef>
+          <a:fontRef idx="minor">
+            <a:schemeClr val="tx1"/>
+          </a:fontRef>
+        </p:style>
+      </p:cxnSp>
+      <p:sp>
+        <p:nvSpPr>
+          <p:cNvPr id="23" name="文本框 22"/>
+          <p:cNvSpPr txBox="1"/>
+          <p:nvPr/>
+        </p:nvSpPr>
+        <p:spPr>
+          <a:xfrm>
+            <a:off x="6736080" y="3475990"/>
+            <a:ext cx="828675" cy="229870"/>
+          </a:xfrm>
+          <a:prstGeom prst="rect">
+            <a:avLst/>
+          </a:prstGeom>
+          <a:noFill/>
+        </p:spPr>
+        <p:txBody>
+          <a:bodyPr wrap="square" rtlCol="0" anchor="t">
+            <a:spAutoFit/>
+          </a:bodyPr>
+          <a:p>
+            <a:pPr algn="ctr"/>
+            <a:r>
+              <a:rPr lang="zh-CN" altLang="en-US" sz="900" b="1"/>
+              <a:t>状态量</a:t>
+            </a:r>
+            <a:endParaRPr lang="zh-CN" altLang="en-US" sz="900" b="1"/>
+          </a:p>
+        </p:txBody>
+      </p:sp>
+      <p:sp>
+        <p:nvSpPr>
+          <p:cNvPr id="24" name="文本框 23"/>
+          <p:cNvSpPr txBox="1"/>
+          <p:nvPr/>
+        </p:nvSpPr>
+        <p:spPr>
+          <a:xfrm>
+            <a:off x="569595" y="2505075"/>
+            <a:ext cx="828675" cy="229870"/>
+          </a:xfrm>
+          <a:prstGeom prst="rect">
+            <a:avLst/>
+          </a:prstGeom>
+          <a:noFill/>
+        </p:spPr>
+        <p:txBody>
+          <a:bodyPr wrap="square" rtlCol="0" anchor="t">
+            <a:spAutoFit/>
+          </a:bodyPr>
+          <a:p>
+            <a:pPr algn="ctr"/>
+            <a:r>
+              <a:rPr lang="zh-CN" altLang="en-US" sz="900" b="1"/>
+              <a:t>期望航迹</a:t>
+            </a:r>
+            <a:endParaRPr lang="zh-CN" altLang="en-US" sz="900" b="1"/>
+          </a:p>
+        </p:txBody>
+      </p:sp>
+      <p:sp>
+        <p:nvSpPr>
+          <p:cNvPr id="25" name="流程图: 接点 173"/>
+          <p:cNvSpPr/>
+          <p:nvPr/>
+        </p:nvSpPr>
+        <p:spPr>
+          <a:xfrm>
+            <a:off x="1398250" y="2594135"/>
+            <a:ext cx="280416" cy="280416"/>
+          </a:xfrm>
+          <a:prstGeom prst="flowChartConnector">
+            <a:avLst/>
+          </a:prstGeom>
+          <a:noFill/>
+          <a:ln>
+            <a:solidFill>
+              <a:schemeClr val="tx1"/>
+            </a:solidFill>
+          </a:ln>
+        </p:spPr>
+        <p:style>
+          <a:lnRef idx="2">
+            <a:schemeClr val="accent1">
+              <a:shade val="50000"/>
+            </a:schemeClr>
+          </a:lnRef>
+          <a:fillRef idx="1">
+            <a:schemeClr val="accent1"/>
+          </a:fillRef>
+          <a:effectRef idx="0">
+            <a:schemeClr val="accent1"/>
+          </a:effectRef>
+          <a:fontRef idx="minor">
+            <a:schemeClr val="lt1"/>
+          </a:fontRef>
+        </p:style>
+        <p:txBody>
+          <a:bodyPr rtlCol="0" anchor="ctr"/>
+          <a:p>
+            <a:pPr algn="ctr"/>
+            <a:endParaRPr lang="zh-CN" altLang="en-US">
+              <a:latin typeface="Times New Roman" panose="02020603050405020304" pitchFamily="18" charset="0"/>
+              <a:cs typeface="Times New Roman" panose="02020603050405020304" pitchFamily="18" charset="0"/>
+            </a:endParaRPr>
+          </a:p>
+        </p:txBody>
+      </p:sp>
+      <p:cxnSp>
+        <p:nvCxnSpPr>
+          <p:cNvPr id="26" name="直接连接符 25"/>
+          <p:cNvCxnSpPr>
+            <a:stCxn id="25" idx="1"/>
+            <a:endCxn id="25" idx="5"/>
+          </p:cNvCxnSpPr>
+          <p:nvPr/>
+        </p:nvCxnSpPr>
+        <p:spPr>
+          <a:xfrm>
+            <a:off x="1434871" y="2635201"/>
+            <a:ext cx="198120" cy="198120"/>
+          </a:xfrm>
+          <a:prstGeom prst="line">
+            <a:avLst/>
+          </a:prstGeom>
+          <a:ln>
+            <a:solidFill>
+              <a:schemeClr val="tx1"/>
+            </a:solidFill>
+          </a:ln>
+        </p:spPr>
+        <p:style>
+          <a:lnRef idx="1">
+            <a:schemeClr val="accent1"/>
+          </a:lnRef>
+          <a:fillRef idx="0">
+            <a:schemeClr val="accent1"/>
+          </a:fillRef>
+          <a:effectRef idx="0">
+            <a:schemeClr val="accent1"/>
+          </a:effectRef>
+          <a:fontRef idx="minor">
+            <a:schemeClr val="tx1"/>
+          </a:fontRef>
+        </p:style>
+      </p:cxnSp>
+      <p:cxnSp>
+        <p:nvCxnSpPr>
+          <p:cNvPr id="27" name="直接连接符 26"/>
+          <p:cNvCxnSpPr>
+            <a:stCxn id="25" idx="7"/>
+            <a:endCxn id="25" idx="3"/>
+          </p:cNvCxnSpPr>
+          <p:nvPr/>
+        </p:nvCxnSpPr>
+        <p:spPr>
+          <a:xfrm flipH="1">
+            <a:off x="1435035" y="2635201"/>
+            <a:ext cx="198120" cy="198120"/>
+          </a:xfrm>
+          <a:prstGeom prst="line">
+            <a:avLst/>
+          </a:prstGeom>
+          <a:ln>
+            <a:solidFill>
+              <a:schemeClr val="tx1"/>
+            </a:solidFill>
+          </a:ln>
+        </p:spPr>
+        <p:style>
+          <a:lnRef idx="1">
+            <a:schemeClr val="accent1"/>
+          </a:lnRef>
+          <a:fillRef idx="0">
+            <a:schemeClr val="accent1"/>
+          </a:fillRef>
+          <a:effectRef idx="0">
+            <a:schemeClr val="accent1"/>
+          </a:effectRef>
+          <a:fontRef idx="minor">
+            <a:schemeClr val="tx1"/>
+          </a:fontRef>
+        </p:style>
+      </p:cxnSp>
+      <p:cxnSp>
+        <p:nvCxnSpPr>
+          <p:cNvPr id="28" name="直接箭头连接符 27"/>
+          <p:cNvCxnSpPr/>
+          <p:nvPr/>
+        </p:nvCxnSpPr>
+        <p:spPr>
+          <a:xfrm flipV="1">
+            <a:off x="1685290" y="2731135"/>
+            <a:ext cx="203200" cy="3810"/>
+          </a:xfrm>
+          <a:prstGeom prst="straightConnector1">
+            <a:avLst/>
+          </a:prstGeom>
+          <a:ln>
+            <a:tailEnd type="triangle"/>
+          </a:ln>
+        </p:spPr>
+        <p:style>
+          <a:lnRef idx="3">
+            <a:schemeClr val="dk1"/>
+          </a:lnRef>
+          <a:fillRef idx="0">
+            <a:schemeClr val="dk1"/>
+          </a:fillRef>
+          <a:effectRef idx="2">
+            <a:schemeClr val="dk1"/>
+          </a:effectRef>
+          <a:fontRef idx="minor">
+            <a:schemeClr val="tx1"/>
+          </a:fontRef>
+        </p:style>
+      </p:cxnSp>
+      <p:sp>
+        <p:nvSpPr>
+          <p:cNvPr id="29" name="流程图: 接点 173"/>
+          <p:cNvSpPr/>
+          <p:nvPr/>
+        </p:nvSpPr>
+        <p:spPr>
+          <a:xfrm>
+            <a:off x="2818745" y="2594770"/>
+            <a:ext cx="280416" cy="280416"/>
+          </a:xfrm>
+          <a:prstGeom prst="flowChartConnector">
+            <a:avLst/>
+          </a:prstGeom>
+          <a:noFill/>
+          <a:ln>
+            <a:solidFill>
+              <a:schemeClr val="tx1"/>
+            </a:solidFill>
+          </a:ln>
+        </p:spPr>
+        <p:style>
+          <a:lnRef idx="2">
+            <a:schemeClr val="accent1">
+              <a:shade val="50000"/>
+            </a:schemeClr>
+          </a:lnRef>
+          <a:fillRef idx="1">
+            <a:schemeClr val="accent1"/>
+          </a:fillRef>
+          <a:effectRef idx="0">
+            <a:schemeClr val="accent1"/>
+          </a:effectRef>
+          <a:fontRef idx="minor">
+            <a:schemeClr val="lt1"/>
+          </a:fontRef>
+        </p:style>
+        <p:txBody>
+          <a:bodyPr rtlCol="0" anchor="ctr"/>
+          <a:p>
+            <a:pPr algn="ctr"/>
+            <a:endParaRPr lang="zh-CN" altLang="en-US">
+              <a:latin typeface="Times New Roman" panose="02020603050405020304" pitchFamily="18" charset="0"/>
+              <a:cs typeface="Times New Roman" panose="02020603050405020304" pitchFamily="18" charset="0"/>
+            </a:endParaRPr>
+          </a:p>
+        </p:txBody>
+      </p:sp>
+      <p:cxnSp>
+        <p:nvCxnSpPr>
+          <p:cNvPr id="30" name="直接连接符 29"/>
+          <p:cNvCxnSpPr>
+            <a:stCxn id="29" idx="1"/>
+            <a:endCxn id="29" idx="5"/>
+          </p:cNvCxnSpPr>
+          <p:nvPr/>
+        </p:nvCxnSpPr>
+        <p:spPr>
+          <a:xfrm>
+            <a:off x="2855366" y="2635836"/>
+            <a:ext cx="198120" cy="198120"/>
+          </a:xfrm>
+          <a:prstGeom prst="line">
+            <a:avLst/>
+          </a:prstGeom>
+          <a:ln>
+            <a:solidFill>
+              <a:schemeClr val="tx1"/>
+            </a:solidFill>
+          </a:ln>
+        </p:spPr>
+        <p:style>
+          <a:lnRef idx="1">
+            <a:schemeClr val="accent1"/>
+          </a:lnRef>
+          <a:fillRef idx="0">
+            <a:schemeClr val="accent1"/>
+          </a:fillRef>
+          <a:effectRef idx="0">
+            <a:schemeClr val="accent1"/>
+          </a:effectRef>
+          <a:fontRef idx="minor">
+            <a:schemeClr val="tx1"/>
+          </a:fontRef>
+        </p:style>
+      </p:cxnSp>
+      <p:cxnSp>
+        <p:nvCxnSpPr>
+          <p:cNvPr id="31" name="直接连接符 30"/>
+          <p:cNvCxnSpPr>
+            <a:stCxn id="29" idx="7"/>
+            <a:endCxn id="29" idx="3"/>
+          </p:cNvCxnSpPr>
+          <p:nvPr/>
+        </p:nvCxnSpPr>
+        <p:spPr>
+          <a:xfrm flipH="1">
+            <a:off x="2855530" y="2635836"/>
+            <a:ext cx="198120" cy="198120"/>
+          </a:xfrm>
+          <a:prstGeom prst="line">
+            <a:avLst/>
+          </a:prstGeom>
+          <a:ln>
+            <a:solidFill>
+              <a:schemeClr val="tx1"/>
+            </a:solidFill>
+          </a:ln>
+        </p:spPr>
+        <p:style>
+          <a:lnRef idx="1">
+            <a:schemeClr val="accent1"/>
+          </a:lnRef>
+          <a:fillRef idx="0">
+            <a:schemeClr val="accent1"/>
+          </a:fillRef>
+          <a:effectRef idx="0">
+            <a:schemeClr val="accent1"/>
+          </a:effectRef>
+          <a:fontRef idx="minor">
+            <a:schemeClr val="tx1"/>
+          </a:fontRef>
+        </p:style>
+      </p:cxnSp>
+      <p:cxnSp>
+        <p:nvCxnSpPr>
+          <p:cNvPr id="32" name="直接箭头连接符 31"/>
+          <p:cNvCxnSpPr>
+            <a:stCxn id="29" idx="6"/>
+            <a:endCxn id="8" idx="1"/>
+          </p:cNvCxnSpPr>
+          <p:nvPr/>
+        </p:nvCxnSpPr>
+        <p:spPr>
+          <a:xfrm>
+            <a:off x="3094990" y="2734945"/>
+            <a:ext cx="208915" cy="0"/>
+          </a:xfrm>
+          <a:prstGeom prst="straightConnector1">
+            <a:avLst/>
+          </a:prstGeom>
+          <a:ln>
+            <a:tailEnd type="triangle"/>
+          </a:ln>
+        </p:spPr>
+        <p:style>
+          <a:lnRef idx="3">
+            <a:schemeClr val="dk1"/>
+          </a:lnRef>
+          <a:fillRef idx="0">
+            <a:schemeClr val="dk1"/>
+          </a:fillRef>
+          <a:effectRef idx="2">
+            <a:schemeClr val="dk1"/>
+          </a:effectRef>
+          <a:fontRef idx="minor">
+            <a:schemeClr val="tx1"/>
+          </a:fontRef>
+        </p:style>
+      </p:cxnSp>
+      <p:sp>
+        <p:nvSpPr>
+          <p:cNvPr id="33" name="流程图: 接点 173"/>
+          <p:cNvSpPr/>
+          <p:nvPr/>
+        </p:nvSpPr>
+        <p:spPr>
+          <a:xfrm>
+            <a:off x="4232255" y="2592865"/>
+            <a:ext cx="280416" cy="280416"/>
+          </a:xfrm>
+          <a:prstGeom prst="flowChartConnector">
+            <a:avLst/>
+          </a:prstGeom>
+          <a:noFill/>
+          <a:ln>
+            <a:solidFill>
+              <a:schemeClr val="tx1"/>
+            </a:solidFill>
+          </a:ln>
+        </p:spPr>
+        <p:style>
+          <a:lnRef idx="2">
+            <a:schemeClr val="accent1">
+              <a:shade val="50000"/>
+            </a:schemeClr>
+          </a:lnRef>
+          <a:fillRef idx="1">
+            <a:schemeClr val="accent1"/>
+          </a:fillRef>
+          <a:effectRef idx="0">
+            <a:schemeClr val="accent1"/>
+          </a:effectRef>
+          <a:fontRef idx="minor">
+            <a:schemeClr val="lt1"/>
+          </a:fontRef>
+        </p:style>
+        <p:txBody>
+          <a:bodyPr rtlCol="0" anchor="ctr"/>
+          <a:p>
+            <a:pPr algn="ctr"/>
+            <a:endParaRPr lang="zh-CN" altLang="en-US">
+              <a:latin typeface="Times New Roman" panose="02020603050405020304" pitchFamily="18" charset="0"/>
+              <a:cs typeface="Times New Roman" panose="02020603050405020304" pitchFamily="18" charset="0"/>
+            </a:endParaRPr>
+          </a:p>
+        </p:txBody>
+      </p:sp>
+      <p:cxnSp>
+        <p:nvCxnSpPr>
+          <p:cNvPr id="34" name="直接连接符 33"/>
+          <p:cNvCxnSpPr>
+            <a:stCxn id="33" idx="1"/>
+            <a:endCxn id="33" idx="5"/>
+          </p:cNvCxnSpPr>
+          <p:nvPr/>
+        </p:nvCxnSpPr>
+        <p:spPr>
+          <a:xfrm>
+            <a:off x="4277766" y="2633931"/>
+            <a:ext cx="198120" cy="198120"/>
+          </a:xfrm>
+          <a:prstGeom prst="line">
+            <a:avLst/>
+          </a:prstGeom>
+          <a:ln>
+            <a:solidFill>
+              <a:schemeClr val="tx1"/>
+            </a:solidFill>
+          </a:ln>
+        </p:spPr>
+        <p:style>
+          <a:lnRef idx="1">
+            <a:schemeClr val="accent1"/>
+          </a:lnRef>
+          <a:fillRef idx="0">
+            <a:schemeClr val="accent1"/>
+          </a:fillRef>
+          <a:effectRef idx="0">
+            <a:schemeClr val="accent1"/>
+          </a:effectRef>
+          <a:fontRef idx="minor">
+            <a:schemeClr val="tx1"/>
+          </a:fontRef>
+        </p:style>
+      </p:cxnSp>
+      <p:cxnSp>
+        <p:nvCxnSpPr>
+          <p:cNvPr id="35" name="直接连接符 34"/>
+          <p:cNvCxnSpPr>
+            <a:stCxn id="33" idx="7"/>
+            <a:endCxn id="33" idx="3"/>
+          </p:cNvCxnSpPr>
+          <p:nvPr/>
+        </p:nvCxnSpPr>
+        <p:spPr>
+          <a:xfrm flipH="1">
+            <a:off x="4277930" y="2633931"/>
+            <a:ext cx="198120" cy="198120"/>
+          </a:xfrm>
+          <a:prstGeom prst="line">
+            <a:avLst/>
+          </a:prstGeom>
+          <a:ln>
+            <a:solidFill>
+              <a:schemeClr val="tx1"/>
+            </a:solidFill>
+          </a:ln>
+        </p:spPr>
+        <p:style>
+          <a:lnRef idx="1">
+            <a:schemeClr val="accent1"/>
+          </a:lnRef>
+          <a:fillRef idx="0">
+            <a:schemeClr val="accent1"/>
+          </a:fillRef>
+          <a:effectRef idx="0">
+            <a:schemeClr val="accent1"/>
+          </a:effectRef>
+          <a:fontRef idx="minor">
+            <a:schemeClr val="tx1"/>
+          </a:fontRef>
+        </p:style>
+      </p:cxnSp>
+      <p:cxnSp>
+        <p:nvCxnSpPr>
+          <p:cNvPr id="36" name="直接箭头连接符 35"/>
+          <p:cNvCxnSpPr/>
+          <p:nvPr/>
+        </p:nvCxnSpPr>
+        <p:spPr>
+          <a:xfrm flipV="1">
+            <a:off x="4509770" y="2729865"/>
+            <a:ext cx="230505" cy="635"/>
+          </a:xfrm>
+          <a:prstGeom prst="straightConnector1">
+            <a:avLst/>
+          </a:prstGeom>
+          <a:ln>
+            <a:tailEnd type="triangle"/>
+          </a:ln>
+        </p:spPr>
+        <p:style>
+          <a:lnRef idx="3">
+            <a:schemeClr val="dk1"/>
+          </a:lnRef>
+          <a:fillRef idx="0">
+            <a:schemeClr val="dk1"/>
+          </a:fillRef>
+          <a:effectRef idx="2">
+            <a:schemeClr val="dk1"/>
+          </a:effectRef>
+          <a:fontRef idx="minor">
+            <a:schemeClr val="tx1"/>
+          </a:fontRef>
+        </p:style>
+      </p:cxnSp>
+      <p:cxnSp>
+        <p:nvCxnSpPr>
+          <p:cNvPr id="37" name="连接符: 肘形 96"/>
+          <p:cNvCxnSpPr>
+            <a:stCxn id="13" idx="1"/>
+            <a:endCxn id="33" idx="4"/>
+          </p:cNvCxnSpPr>
+          <p:nvPr/>
+        </p:nvCxnSpPr>
+        <p:spPr>
+          <a:xfrm rot="10800000">
+            <a:off x="4372610" y="2873375"/>
+            <a:ext cx="369570" cy="833120"/>
+          </a:xfrm>
+          <a:prstGeom prst="bentConnector2">
+            <a:avLst/>
+          </a:prstGeom>
+          <a:ln>
+            <a:tailEnd type="triangle"/>
+          </a:ln>
+        </p:spPr>
+        <p:style>
+          <a:lnRef idx="3">
+            <a:schemeClr val="dk1"/>
+          </a:lnRef>
+          <a:fillRef idx="0">
+            <a:schemeClr val="dk1"/>
+          </a:fillRef>
+          <a:effectRef idx="2">
+            <a:schemeClr val="dk1"/>
+          </a:effectRef>
+          <a:fontRef idx="minor">
+            <a:schemeClr val="tx1"/>
+          </a:fontRef>
+        </p:style>
+      </p:cxnSp>
+      <p:sp>
+        <p:nvSpPr>
+          <p:cNvPr id="38" name="文本框 37"/>
+          <p:cNvSpPr txBox="1"/>
+          <p:nvPr/>
+        </p:nvSpPr>
+        <p:spPr>
+          <a:xfrm>
+            <a:off x="3543935" y="3105785"/>
+            <a:ext cx="828675" cy="229870"/>
+          </a:xfrm>
+          <a:prstGeom prst="rect">
+            <a:avLst/>
+          </a:prstGeom>
+          <a:noFill/>
+        </p:spPr>
+        <p:txBody>
+          <a:bodyPr wrap="square" rtlCol="0" anchor="t">
+            <a:spAutoFit/>
+          </a:bodyPr>
+          <a:p>
+            <a:pPr algn="ctr"/>
+            <a:r>
+              <a:rPr lang="zh-CN" altLang="en-US" sz="900" b="1"/>
+              <a:t>姿态估计</a:t>
+            </a:r>
+            <a:endParaRPr lang="zh-CN" altLang="en-US" sz="900" b="1"/>
+          </a:p>
+        </p:txBody>
+      </p:sp>
+      <p:sp>
+        <p:nvSpPr>
+          <p:cNvPr id="39" name="文本框 38"/>
+          <p:cNvSpPr txBox="1"/>
+          <p:nvPr/>
+        </p:nvSpPr>
+        <p:spPr>
+          <a:xfrm>
+            <a:off x="2130425" y="3105785"/>
+            <a:ext cx="828675" cy="229870"/>
+          </a:xfrm>
+          <a:prstGeom prst="rect">
+            <a:avLst/>
+          </a:prstGeom>
+          <a:noFill/>
+        </p:spPr>
+        <p:txBody>
+          <a:bodyPr wrap="square" rtlCol="0" anchor="t">
+            <a:spAutoFit/>
+          </a:bodyPr>
+          <a:p>
+            <a:pPr algn="ctr"/>
+            <a:r>
+              <a:rPr lang="zh-CN" altLang="en-US" sz="900" b="1"/>
+              <a:t>位置估计</a:t>
+            </a:r>
+            <a:endParaRPr lang="zh-CN" altLang="en-US" sz="900" b="1"/>
+          </a:p>
+        </p:txBody>
+      </p:sp>
+      <p:sp>
+        <p:nvSpPr>
+          <p:cNvPr id="40" name="文本框 39"/>
+          <p:cNvSpPr txBox="1"/>
+          <p:nvPr/>
+        </p:nvSpPr>
+        <p:spPr>
+          <a:xfrm>
+            <a:off x="709930" y="3105785"/>
+            <a:ext cx="828675" cy="229870"/>
+          </a:xfrm>
+          <a:prstGeom prst="rect">
+            <a:avLst/>
+          </a:prstGeom>
+          <a:noFill/>
+        </p:spPr>
+        <p:txBody>
+          <a:bodyPr wrap="square" rtlCol="0" anchor="t">
+            <a:spAutoFit/>
+          </a:bodyPr>
+          <a:p>
+            <a:pPr algn="ctr"/>
+            <a:r>
+              <a:rPr lang="zh-CN" altLang="en-US" sz="900" b="1"/>
+              <a:t>位置估计</a:t>
+            </a:r>
+            <a:endParaRPr lang="zh-CN" altLang="en-US" sz="900" b="1"/>
+          </a:p>
+        </p:txBody>
+      </p:sp>
+      <p:graphicFrame>
+        <p:nvGraphicFramePr>
+          <p:cNvPr id="120" name="对象 119"/>
+          <p:cNvGraphicFramePr>
+            <a:graphicFrameLocks noChangeAspect="1"/>
+          </p:cNvGraphicFramePr>
+          <p:nvPr/>
+        </p:nvGraphicFramePr>
+        <p:xfrm>
+          <a:off x="2984925" y="2956519"/>
+          <a:ext cx="114300" cy="100013"/>
+        </p:xfrm>
+        <a:graphic>
+          <a:graphicData uri="http://schemas.openxmlformats.org/presentationml/2006/ole">
+            <mc:AlternateContent xmlns:mc="http://schemas.openxmlformats.org/markup-compatibility/2006">
+              <mc:Choice xmlns:v="urn:schemas-microsoft-com:vml" Requires="v">
+                <p:oleObj spid="_x0000_s12528" name="Equation" r:id="rId1" imgW="96520" imgH="83820" progId="Equation.DSMT4">
+                  <p:embed/>
+                </p:oleObj>
+              </mc:Choice>
+              <mc:Fallback>
+                <p:oleObj name="Equation" r:id="rId1" imgW="96520" imgH="83820" progId="Equation.DSMT4">
+                  <p:embed/>
+                  <p:pic>
+                    <p:nvPicPr>
+                      <p:cNvPr id="0" name="对象 119"/>
+                      <p:cNvPicPr/>
+                      <p:nvPr/>
+                    </p:nvPicPr>
+                    <p:blipFill>
+                      <a:blip r:embed="rId2"/>
+                      <a:stretch>
+                        <a:fillRect/>
+                      </a:stretch>
+                    </p:blipFill>
+                    <p:spPr>
+                      <a:xfrm>
+                        <a:off x="2984925" y="2956519"/>
+                        <a:ext cx="114300" cy="100013"/>
+                      </a:xfrm>
+                      <a:prstGeom prst="rect">
+                        <a:avLst/>
+                      </a:prstGeom>
+                    </p:spPr>
+                  </p:pic>
+                </p:oleObj>
+              </mc:Fallback>
+            </mc:AlternateContent>
+          </a:graphicData>
+        </a:graphic>
+      </p:graphicFrame>
+      <p:graphicFrame>
+        <p:nvGraphicFramePr>
+          <p:cNvPr id="41" name="对象 40"/>
+          <p:cNvGraphicFramePr>
+            <a:graphicFrameLocks noChangeAspect="1"/>
+          </p:cNvGraphicFramePr>
+          <p:nvPr/>
+        </p:nvGraphicFramePr>
+        <p:xfrm>
+          <a:off x="4398435" y="2956519"/>
+          <a:ext cx="114300" cy="100013"/>
+        </p:xfrm>
+        <a:graphic>
+          <a:graphicData uri="http://schemas.openxmlformats.org/presentationml/2006/ole">
+            <mc:AlternateContent xmlns:mc="http://schemas.openxmlformats.org/markup-compatibility/2006">
+              <mc:Choice xmlns:v="urn:schemas-microsoft-com:vml" Requires="v">
+                <p:oleObj spid="_x0000_s42" name="Equation" r:id="rId3" imgW="96520" imgH="83820" progId="Equation.DSMT4">
+                  <p:embed/>
+                </p:oleObj>
+              </mc:Choice>
+              <mc:Fallback>
+                <p:oleObj name="Equation" r:id="rId3" imgW="96520" imgH="83820" progId="Equation.DSMT4">
+                  <p:embed/>
+                  <p:pic>
+                    <p:nvPicPr>
+                      <p:cNvPr id="0" name="对象 119"/>
+                      <p:cNvPicPr/>
+                      <p:nvPr/>
+                    </p:nvPicPr>
+                    <p:blipFill>
+                      <a:blip r:embed="rId2"/>
+                      <a:stretch>
+                        <a:fillRect/>
+                      </a:stretch>
+                    </p:blipFill>
+                    <p:spPr>
+                      <a:xfrm>
+                        <a:off x="4398435" y="2956519"/>
+                        <a:ext cx="114300" cy="100013"/>
+                      </a:xfrm>
+                      <a:prstGeom prst="rect">
+                        <a:avLst/>
+                      </a:prstGeom>
+                    </p:spPr>
+                  </p:pic>
+                </p:oleObj>
+              </mc:Fallback>
+            </mc:AlternateContent>
+          </a:graphicData>
+        </a:graphic>
+      </p:graphicFrame>
+      <p:graphicFrame>
+        <p:nvGraphicFramePr>
+          <p:cNvPr id="43" name="对象 42"/>
+          <p:cNvGraphicFramePr>
+            <a:graphicFrameLocks noChangeAspect="1"/>
+          </p:cNvGraphicFramePr>
+          <p:nvPr/>
+        </p:nvGraphicFramePr>
+        <p:xfrm>
+          <a:off x="1570780" y="2956519"/>
+          <a:ext cx="114300" cy="100013"/>
+        </p:xfrm>
+        <a:graphic>
+          <a:graphicData uri="http://schemas.openxmlformats.org/presentationml/2006/ole">
+            <mc:AlternateContent xmlns:mc="http://schemas.openxmlformats.org/markup-compatibility/2006">
+              <mc:Choice xmlns:v="urn:schemas-microsoft-com:vml" Requires="v">
+                <p:oleObj spid="_x0000_s44" name="Equation" r:id="rId4" imgW="96520" imgH="83820" progId="Equation.DSMT4">
+                  <p:embed/>
+                </p:oleObj>
+              </mc:Choice>
+              <mc:Fallback>
+                <p:oleObj name="Equation" r:id="rId4" imgW="96520" imgH="83820" progId="Equation.DSMT4">
+                  <p:embed/>
+                  <p:pic>
+                    <p:nvPicPr>
+                      <p:cNvPr id="0" name="对象 119"/>
+                      <p:cNvPicPr/>
+                      <p:nvPr/>
+                    </p:nvPicPr>
+                    <p:blipFill>
+                      <a:blip r:embed="rId2"/>
+                      <a:stretch>
+                        <a:fillRect/>
+                      </a:stretch>
+                    </p:blipFill>
+                    <p:spPr>
+                      <a:xfrm>
+                        <a:off x="1570780" y="2956519"/>
+                        <a:ext cx="114300" cy="100013"/>
+                      </a:xfrm>
+                      <a:prstGeom prst="rect">
+                        <a:avLst/>
+                      </a:prstGeom>
+                    </p:spPr>
+                  </p:pic>
+                </p:oleObj>
+              </mc:Fallback>
+            </mc:AlternateContent>
+          </a:graphicData>
+        </a:graphic>
+      </p:graphicFrame>
+      <p:cxnSp>
+        <p:nvCxnSpPr>
+          <p:cNvPr id="46" name="连接符: 肘形 96"/>
+          <p:cNvCxnSpPr>
+            <a:endCxn id="33" idx="0"/>
+          </p:cNvCxnSpPr>
+          <p:nvPr/>
+        </p:nvCxnSpPr>
+        <p:spPr>
+          <a:xfrm>
+            <a:off x="755650" y="1847850"/>
+            <a:ext cx="3616960" cy="744855"/>
+          </a:xfrm>
+          <a:prstGeom prst="bentConnector2">
+            <a:avLst/>
+          </a:prstGeom>
+          <a:ln>
+            <a:prstDash val="dash"/>
+            <a:tailEnd type="triangle"/>
+          </a:ln>
+        </p:spPr>
+        <p:style>
+          <a:lnRef idx="3">
+            <a:schemeClr val="dk1"/>
+          </a:lnRef>
+          <a:fillRef idx="0">
+            <a:schemeClr val="dk1"/>
+          </a:fillRef>
+          <a:effectRef idx="2">
+            <a:schemeClr val="dk1"/>
+          </a:effectRef>
+          <a:fontRef idx="minor">
+            <a:schemeClr val="tx1"/>
+          </a:fontRef>
+        </p:style>
+      </p:cxnSp>
+      <p:cxnSp>
+        <p:nvCxnSpPr>
+          <p:cNvPr id="47" name="连接符: 肘形 96"/>
+          <p:cNvCxnSpPr>
+            <a:endCxn id="29" idx="0"/>
+          </p:cNvCxnSpPr>
+          <p:nvPr/>
+        </p:nvCxnSpPr>
+        <p:spPr>
+          <a:xfrm>
+            <a:off x="742950" y="2286000"/>
+            <a:ext cx="2216150" cy="308610"/>
+          </a:xfrm>
+          <a:prstGeom prst="bentConnector2">
+            <a:avLst/>
+          </a:prstGeom>
+          <a:ln>
+            <a:prstDash val="dash"/>
+            <a:tailEnd type="triangle"/>
+          </a:ln>
+        </p:spPr>
+        <p:style>
+          <a:lnRef idx="3">
+            <a:schemeClr val="dk1"/>
+          </a:lnRef>
+          <a:fillRef idx="0">
+            <a:schemeClr val="dk1"/>
+          </a:fillRef>
+          <a:effectRef idx="2">
+            <a:schemeClr val="dk1"/>
+          </a:effectRef>
+          <a:fontRef idx="minor">
+            <a:schemeClr val="tx1"/>
+          </a:fontRef>
+        </p:style>
+      </p:cxnSp>
+      <p:sp>
+        <p:nvSpPr>
+          <p:cNvPr id="48" name="文本框 47"/>
+          <p:cNvSpPr txBox="1"/>
+          <p:nvPr/>
+        </p:nvSpPr>
+        <p:spPr>
+          <a:xfrm>
+            <a:off x="569595" y="2056130"/>
+            <a:ext cx="828675" cy="229870"/>
+          </a:xfrm>
+          <a:prstGeom prst="rect">
+            <a:avLst/>
+          </a:prstGeom>
+          <a:noFill/>
+        </p:spPr>
+        <p:txBody>
+          <a:bodyPr wrap="square" rtlCol="0" anchor="t">
+            <a:spAutoFit/>
+          </a:bodyPr>
+          <a:p>
+            <a:pPr algn="ctr"/>
+            <a:r>
+              <a:rPr lang="zh-CN" altLang="en-US" sz="900" b="1"/>
+              <a:t>期望位置</a:t>
+            </a:r>
+            <a:endParaRPr lang="zh-CN" altLang="en-US" sz="900" b="1"/>
+          </a:p>
+        </p:txBody>
+      </p:sp>
+      <p:sp>
+        <p:nvSpPr>
+          <p:cNvPr id="49" name="文本框 48"/>
+          <p:cNvSpPr txBox="1"/>
+          <p:nvPr/>
+        </p:nvSpPr>
+        <p:spPr>
+          <a:xfrm>
+            <a:off x="561975" y="1573530"/>
+            <a:ext cx="828675" cy="229870"/>
+          </a:xfrm>
+          <a:prstGeom prst="rect">
+            <a:avLst/>
+          </a:prstGeom>
+          <a:noFill/>
+        </p:spPr>
+        <p:txBody>
+          <a:bodyPr wrap="square" rtlCol="0" anchor="t">
+            <a:spAutoFit/>
+          </a:bodyPr>
+          <a:p>
+            <a:pPr algn="ctr"/>
+            <a:r>
+              <a:rPr lang="zh-CN" altLang="en-US" sz="900" b="1"/>
+              <a:t>期望姿态</a:t>
+            </a:r>
+            <a:endParaRPr lang="zh-CN" altLang="en-US" sz="900" b="1"/>
+          </a:p>
+        </p:txBody>
+      </p:sp>
+      <p:sp>
+        <p:nvSpPr>
+          <p:cNvPr id="51" name="矩形 50"/>
+          <p:cNvSpPr/>
+          <p:nvPr/>
+        </p:nvSpPr>
+        <p:spPr>
+          <a:xfrm>
+            <a:off x="1390650" y="1573530"/>
+            <a:ext cx="4244340" cy="2475230"/>
+          </a:xfrm>
+          <a:prstGeom prst="rect">
+            <a:avLst/>
+          </a:prstGeom>
+          <a:noFill/>
+          <a:ln>
+            <a:solidFill>
+              <a:srgbClr val="FF0000"/>
+            </a:solidFill>
+            <a:prstDash val="dashDot"/>
+          </a:ln>
+          <a:extLst>
+            <a:ext uri="{909E8E84-426E-40DD-AFC4-6F175D3DCCD1}">
+              <a14:hiddenFill xmlns:a14="http://schemas.microsoft.com/office/drawing/2010/main">
+                <a:solidFill>
+                  <a:schemeClr val="bg1"/>
+                </a:solidFill>
+              </a14:hiddenFill>
+            </a:ext>
+          </a:extLst>
+        </p:spPr>
+        <p:style>
+          <a:lnRef idx="2">
+            <a:schemeClr val="accent1">
+              <a:shade val="50000"/>
+            </a:schemeClr>
+          </a:lnRef>
+          <a:fillRef idx="1">
+            <a:schemeClr val="accent1"/>
+          </a:fillRef>
+          <a:effectRef idx="0">
+            <a:schemeClr val="accent1"/>
+          </a:effectRef>
+          <a:fontRef idx="minor">
+            <a:schemeClr val="lt1"/>
+          </a:fontRef>
+        </p:style>
+        <p:txBody>
+          <a:bodyPr rtlCol="0" anchor="ctr"/>
+          <a:p>
+            <a:pPr algn="ctr"/>
+            <a:endParaRPr lang="zh-CN" altLang="en-US" sz="1050" b="1" dirty="0">
+              <a:solidFill>
+                <a:schemeClr val="tx1"/>
+              </a:solidFill>
+              <a:latin typeface="Times New Roman" panose="02020603050405020304" pitchFamily="18" charset="0"/>
+              <a:ea typeface="宋体" panose="02010600030101010101" pitchFamily="2" charset="-122"/>
+              <a:cs typeface="Times New Roman" panose="02020603050405020304" pitchFamily="18" charset="0"/>
+            </a:endParaRPr>
+          </a:p>
+        </p:txBody>
+      </p:sp>
+      <p:sp>
+        <p:nvSpPr>
+          <p:cNvPr id="52" name="矩形 51"/>
+          <p:cNvSpPr/>
+          <p:nvPr/>
+        </p:nvSpPr>
+        <p:spPr>
+          <a:xfrm>
+            <a:off x="5634990" y="1573530"/>
+            <a:ext cx="3076575" cy="2475230"/>
+          </a:xfrm>
+          <a:prstGeom prst="rect">
+            <a:avLst/>
+          </a:prstGeom>
+          <a:noFill/>
+          <a:ln>
+            <a:solidFill>
+              <a:srgbClr val="FF0000"/>
+            </a:solidFill>
+            <a:prstDash val="dashDot"/>
+          </a:ln>
+          <a:extLst>
+            <a:ext uri="{909E8E84-426E-40DD-AFC4-6F175D3DCCD1}">
+              <a14:hiddenFill xmlns:a14="http://schemas.microsoft.com/office/drawing/2010/main">
+                <a:solidFill>
+                  <a:schemeClr val="bg1"/>
+                </a:solidFill>
+              </a14:hiddenFill>
+            </a:ext>
+          </a:extLst>
+        </p:spPr>
+        <p:style>
+          <a:lnRef idx="2">
+            <a:schemeClr val="accent1">
+              <a:shade val="50000"/>
+            </a:schemeClr>
+          </a:lnRef>
+          <a:fillRef idx="1">
+            <a:schemeClr val="accent1"/>
+          </a:fillRef>
+          <a:effectRef idx="0">
+            <a:schemeClr val="accent1"/>
+          </a:effectRef>
+          <a:fontRef idx="minor">
+            <a:schemeClr val="lt1"/>
+          </a:fontRef>
+        </p:style>
+        <p:txBody>
+          <a:bodyPr rtlCol="0" anchor="ctr"/>
+          <a:p>
+            <a:pPr algn="ctr"/>
+            <a:endParaRPr lang="zh-CN" altLang="en-US" sz="1050" b="1" dirty="0">
+              <a:solidFill>
+                <a:schemeClr val="tx1"/>
+              </a:solidFill>
+              <a:latin typeface="Times New Roman" panose="02020603050405020304" pitchFamily="18" charset="0"/>
+              <a:ea typeface="宋体" panose="02010600030101010101" pitchFamily="2" charset="-122"/>
+              <a:cs typeface="Times New Roman" panose="02020603050405020304" pitchFamily="18" charset="0"/>
+            </a:endParaRPr>
+          </a:p>
+        </p:txBody>
+      </p:sp>
+      <p:sp>
+        <p:nvSpPr>
+          <p:cNvPr id="53" name="文本框 52"/>
+          <p:cNvSpPr txBox="1"/>
+          <p:nvPr/>
+        </p:nvSpPr>
+        <p:spPr>
+          <a:xfrm>
+            <a:off x="3040380" y="1212850"/>
+            <a:ext cx="944880" cy="275590"/>
+          </a:xfrm>
+          <a:prstGeom prst="rect">
+            <a:avLst/>
+          </a:prstGeom>
+          <a:noFill/>
+        </p:spPr>
+        <p:txBody>
+          <a:bodyPr wrap="none" rtlCol="0" anchor="t">
+            <a:spAutoFit/>
+          </a:bodyPr>
+          <a:p>
+            <a:pPr algn="ctr"/>
+            <a:r>
+              <a:rPr lang="zh-CN" altLang="en-US" sz="1200">
+                <a:solidFill>
+                  <a:srgbClr val="FF0000"/>
+                </a:solidFill>
+              </a:rPr>
+              <a:t>自动驾驶仪</a:t>
+            </a:r>
+            <a:endParaRPr lang="zh-CN" altLang="en-US" sz="1200">
+              <a:solidFill>
+                <a:srgbClr val="FF0000"/>
+              </a:solidFill>
+            </a:endParaRPr>
+          </a:p>
+        </p:txBody>
+      </p:sp>
+      <p:sp>
+        <p:nvSpPr>
+          <p:cNvPr id="54" name="文本框 53"/>
+          <p:cNvSpPr txBox="1"/>
+          <p:nvPr/>
+        </p:nvSpPr>
+        <p:spPr>
+          <a:xfrm>
+            <a:off x="6724015" y="1275080"/>
+            <a:ext cx="1097280" cy="275590"/>
+          </a:xfrm>
+          <a:prstGeom prst="rect">
+            <a:avLst/>
+          </a:prstGeom>
+          <a:noFill/>
+        </p:spPr>
+        <p:txBody>
+          <a:bodyPr wrap="none" rtlCol="0" anchor="t">
+            <a:spAutoFit/>
+          </a:bodyPr>
+          <a:p>
+            <a:pPr algn="ctr"/>
+            <a:r>
+              <a:rPr lang="zh-CN" altLang="en-US" sz="1200">
+                <a:solidFill>
+                  <a:srgbClr val="FF0000"/>
+                </a:solidFill>
+              </a:rPr>
+              <a:t>无人机动力学</a:t>
+            </a:r>
+            <a:endParaRPr lang="zh-CN" altLang="en-US" sz="1200">
+              <a:solidFill>
+                <a:srgbClr val="FF0000"/>
+              </a:solidFill>
+            </a:endParaRPr>
+          </a:p>
+        </p:txBody>
+      </p:sp>
     </p:spTree>
   </p:cSld>
   <p:clrMapOvr>
